--- a/v1扁平16-9.pptx
+++ b/v1扁平16-9.pptx
@@ -2471,7 +2471,7 @@
           <a:lstStyle>
             <a:lvl1pPr marL="0" indent="0" algn="l">
               <a:buNone/>
-              <a:defRPr sz="2000" cap="all">
+              <a:defRPr sz="2000" cap="none" baseline="0">
                 <a:solidFill>
                   <a:schemeClr val="accent2"/>
                 </a:solidFill>
@@ -3931,7 +3931,7 @@
           <a:lstStyle>
             <a:lvl1pPr marL="0" indent="0" algn="l">
               <a:buNone/>
-              <a:defRPr sz="2000" cap="all">
+              <a:defRPr sz="2000" cap="none" baseline="0">
                 <a:solidFill>
                   <a:schemeClr val="accent2"/>
                 </a:solidFill>
